--- a/docs/Final Presentation.pptx
+++ b/docs/Final Presentation.pptx
@@ -178,7 +178,7 @@
   </p:defaultTextStyle>
   <p:extLst>
     <p:ext uri="{EFAFB233-063F-42B5-8137-9DF3F51BA10A}">
-      <p15:sldGuideLst xmlns:p15="http://schemas.microsoft.com/office/powerpoint/2012/main">
+      <p15:sldGuideLst xmlns:p15="http://schemas.microsoft.com/office/powerpoint/2012/main" xmlns="">
         <p15:guide id="1" orient="horz" pos="2160">
           <p15:clr>
             <a:srgbClr val="A4A3A4"/>
@@ -192,7 +192,7 @@
       </p15:sldGuideLst>
     </p:ext>
     <p:ext uri="{2D200454-40CA-4A62-9FC3-DE9A4176ACB9}">
-      <p15:notesGuideLst xmlns:p15="http://schemas.microsoft.com/office/powerpoint/2012/main"/>
+      <p15:notesGuideLst xmlns:p15="http://schemas.microsoft.com/office/powerpoint/2012/main" xmlns=""/>
     </p:ext>
   </p:extLst>
 </p:presentation>
@@ -5218,6 +5218,13 @@
   <p:clrMapOvr>
     <a:masterClrMapping/>
   </p:clrMapOvr>
+  <p:timing>
+    <p:tnLst>
+      <p:par>
+        <p:cTn id="1" dur="indefinite" restart="never" nodeType="tmRoot"/>
+      </p:par>
+    </p:tnLst>
+  </p:timing>
 </p:sld>
 </file>
 
@@ -5348,6 +5355,13 @@
   <p:clrMapOvr>
     <a:masterClrMapping/>
   </p:clrMapOvr>
+  <p:timing>
+    <p:tnLst>
+      <p:par>
+        <p:cTn id="1" dur="indefinite" restart="never" nodeType="tmRoot"/>
+      </p:par>
+    </p:tnLst>
+  </p:timing>
 </p:sld>
 </file>
 
@@ -5493,13 +5507,8 @@
             <a:pPr lvl="1" algn="just"/>
             <a:r>
               <a:rPr lang="en-US" dirty="0" smtClean="0"/>
-              <a:t>Cost reduction in </a:t>
-            </a:r>
-            <a:r>
-              <a:rPr lang="en-US" dirty="0" smtClean="0"/>
-              <a:t>electricity</a:t>
-            </a:r>
-            <a:endParaRPr lang="en-US" dirty="0" smtClean="0"/>
+              <a:t>Cost reduction in electricity</a:t>
+            </a:r>
           </a:p>
         </p:txBody>
       </p:sp>
@@ -5620,7 +5629,7 @@
                       <m:dPr>
                         <m:ctrlPr>
                           <a:rPr lang="en-US" i="1">
-                            <a:latin typeface="Cambria Math" panose="02040503050406030204" pitchFamily="18" charset="0"/>
+                            <a:latin typeface="Cambria Math"/>
                           </a:rPr>
                         </m:ctrlPr>
                       </m:dPr>
@@ -5657,7 +5666,7 @@
                       <m:dPr>
                         <m:ctrlPr>
                           <a:rPr lang="en-US" i="1">
-                            <a:latin typeface="Cambria Math" panose="02040503050406030204" pitchFamily="18" charset="0"/>
+                            <a:latin typeface="Cambria Math"/>
                             <a:ea typeface="Cambria Math" panose="02040503050406030204" pitchFamily="18" charset="0"/>
                           </a:rPr>
                         </m:ctrlPr>
@@ -5696,7 +5705,7 @@
                       <m:dPr>
                         <m:ctrlPr>
                           <a:rPr lang="en-US" i="1">
-                            <a:latin typeface="Cambria Math" panose="02040503050406030204" pitchFamily="18" charset="0"/>
+                            <a:latin typeface="Cambria Math"/>
                             <a:ea typeface="Cambria Math" panose="02040503050406030204" pitchFamily="18" charset="0"/>
                           </a:rPr>
                         </m:ctrlPr>
@@ -5744,7 +5753,7 @@
                       <m:dPr>
                         <m:ctrlPr>
                           <a:rPr lang="en-US" i="1">
-                            <a:latin typeface="Cambria Math" panose="02040503050406030204" pitchFamily="18" charset="0"/>
+                            <a:latin typeface="Cambria Math"/>
                           </a:rPr>
                         </m:ctrlPr>
                       </m:dPr>
@@ -5787,7 +5796,7 @@
                       <m:dPr>
                         <m:ctrlPr>
                           <a:rPr lang="en-US" i="1">
-                            <a:latin typeface="Cambria Math" panose="02040503050406030204" pitchFamily="18" charset="0"/>
+                            <a:latin typeface="Cambria Math"/>
                             <a:ea typeface="Cambria Math" panose="02040503050406030204" pitchFamily="18" charset="0"/>
                           </a:rPr>
                         </m:ctrlPr>
@@ -5848,7 +5857,7 @@
                       <m:dPr>
                         <m:ctrlPr>
                           <a:rPr lang="en-US" i="1">
-                            <a:latin typeface="Cambria Math" panose="02040503050406030204" pitchFamily="18" charset="0"/>
+                            <a:latin typeface="Cambria Math"/>
                             <a:ea typeface="Cambria Math" panose="02040503050406030204" pitchFamily="18" charset="0"/>
                           </a:rPr>
                         </m:ctrlPr>
@@ -5887,7 +5896,7 @@
                       <m:dPr>
                         <m:ctrlPr>
                           <a:rPr lang="en-US" i="1">
-                            <a:latin typeface="Cambria Math" panose="02040503050406030204" pitchFamily="18" charset="0"/>
+                            <a:latin typeface="Cambria Math"/>
                             <a:ea typeface="Cambria Math" panose="02040503050406030204" pitchFamily="18" charset="0"/>
                           </a:rPr>
                         </m:ctrlPr>
@@ -5934,7 +5943,7 @@
                       <m:dPr>
                         <m:ctrlPr>
                           <a:rPr lang="en-US" i="1">
-                            <a:latin typeface="Cambria Math" panose="02040503050406030204" pitchFamily="18" charset="0"/>
+                            <a:latin typeface="Cambria Math"/>
                           </a:rPr>
                         </m:ctrlPr>
                       </m:dPr>
@@ -5969,7 +5978,7 @@
                       <m:dPr>
                         <m:ctrlPr>
                           <a:rPr lang="en-US" i="1">
-                            <a:latin typeface="Cambria Math" panose="02040503050406030204" pitchFamily="18" charset="0"/>
+                            <a:latin typeface="Cambria Math"/>
                           </a:rPr>
                         </m:ctrlPr>
                       </m:dPr>
@@ -6086,6 +6095,13 @@
   <p:clrMapOvr>
     <a:masterClrMapping/>
   </p:clrMapOvr>
+  <p:timing>
+    <p:tnLst>
+      <p:par>
+        <p:cTn id="1" dur="indefinite" restart="never" nodeType="tmRoot"/>
+      </p:par>
+    </p:tnLst>
+  </p:timing>
 </p:sld>
 </file>
 
